--- a/DHCP/LuuVo_201309/DHCPTraining.pptx
+++ b/DHCP/LuuVo_201309/DHCPTraining.pptx
@@ -175,6 +175,22 @@
       </a:defRPr>
     </a:lvl9pPr>
   </p:defaultTextStyle>
+  <p:extLst>
+    <p:ext uri="{EFAFB233-063F-42B5-8137-9DF3F51BA10A}">
+      <p15:sldGuideLst xmlns:p15="http://schemas.microsoft.com/office/powerpoint/2012/main">
+        <p15:guide id="1" orient="horz" pos="2160">
+          <p15:clr>
+            <a:srgbClr val="A4A3A4"/>
+          </p15:clr>
+        </p15:guide>
+        <p15:guide id="2" pos="2880">
+          <p15:clr>
+            <a:srgbClr val="A4A3A4"/>
+          </p15:clr>
+        </p15:guide>
+      </p15:sldGuideLst>
+    </p:ext>
+  </p:extLst>
 </p:presentation>
 </file>
 
@@ -260,7 +276,7 @@
           <a:p>
             <a:fld id="{205492A0-3EDC-42F3-B256-B42BC22B3832}" type="datetimeFigureOut">
               <a:rPr lang="en-US" smtClean="0"/>
-              <a:t>10/14/2013</a:t>
+              <a:t>6/24/2015</a:t>
             </a:fld>
             <a:endParaRPr lang="en-US"/>
           </a:p>
@@ -572,22 +588,7 @@
           <a:bodyPr/>
           <a:lstStyle/>
           <a:p>
-            <a:r>
-              <a:rPr lang="en-US" dirty="0" smtClean="0"/>
-              <a:t>Hardware address types: </a:t>
-            </a:r>
-            <a:r>
-              <a:rPr lang="en-US" sz="1200" b="0" i="1" u="none" strike="noStrike" kern="1200" baseline="0" dirty="0" smtClean="0">
-                <a:solidFill>
-                  <a:schemeClr val="tx1"/>
-                </a:solidFill>
-                <a:latin typeface="+mn-lt"/>
-                <a:ea typeface="+mn-ea"/>
-                <a:cs typeface="+mn-cs"/>
-              </a:rPr>
-              <a:t>http://www.iana.org/assignments/arp-parameters</a:t>
-            </a:r>
-            <a:endParaRPr lang="en-US" dirty="0"/>
+            <a:endParaRPr lang="en-US"/>
           </a:p>
         </p:txBody>
       </p:sp>
@@ -608,7 +609,7 @@
           <a:p>
             <a:fld id="{CA2CD91B-7977-4111-B2A9-5D3C6E1F300A}" type="slidenum">
               <a:rPr lang="en-US" smtClean="0"/>
-              <a:t>19</a:t>
+              <a:t>9</a:t>
             </a:fld>
             <a:endParaRPr lang="en-US"/>
           </a:p>
@@ -617,7 +618,7 @@
     </p:spTree>
     <p:extLst>
       <p:ext uri="{BB962C8B-B14F-4D97-AF65-F5344CB8AC3E}">
-        <p14:creationId xmlns:p14="http://schemas.microsoft.com/office/powerpoint/2010/main" val="568821352"/>
+        <p14:creationId xmlns:p14="http://schemas.microsoft.com/office/powerpoint/2010/main" val="1140397957"/>
       </p:ext>
     </p:extLst>
   </p:cSld>
@@ -673,7 +674,18 @@
           <a:p>
             <a:r>
               <a:rPr lang="en-US" dirty="0" smtClean="0"/>
-              <a:t>Option types: http://www.iana.org/assignments/bootp-dhcp-parameters</a:t>
+              <a:t>Hardware address types: </a:t>
+            </a:r>
+            <a:r>
+              <a:rPr lang="en-US" sz="1200" b="0" i="1" u="none" strike="noStrike" kern="1200" baseline="0" dirty="0" smtClean="0">
+                <a:solidFill>
+                  <a:schemeClr val="tx1"/>
+                </a:solidFill>
+                <a:latin typeface="+mn-lt"/>
+                <a:ea typeface="+mn-ea"/>
+                <a:cs typeface="+mn-cs"/>
+              </a:rPr>
+              <a:t>http://www.iana.org/assignments/arp-parameters</a:t>
             </a:r>
             <a:endParaRPr lang="en-US" dirty="0"/>
           </a:p>
@@ -696,7 +708,7 @@
           <a:p>
             <a:fld id="{CA2CD91B-7977-4111-B2A9-5D3C6E1F300A}" type="slidenum">
               <a:rPr lang="en-US" smtClean="0"/>
-              <a:t>51</a:t>
+              <a:t>19</a:t>
             </a:fld>
             <a:endParaRPr lang="en-US"/>
           </a:p>
@@ -705,7 +717,7 @@
     </p:spTree>
     <p:extLst>
       <p:ext uri="{BB962C8B-B14F-4D97-AF65-F5344CB8AC3E}">
-        <p14:creationId xmlns:p14="http://schemas.microsoft.com/office/powerpoint/2010/main" val="172198231"/>
+        <p14:creationId xmlns:p14="http://schemas.microsoft.com/office/powerpoint/2010/main" val="568821352"/>
       </p:ext>
     </p:extLst>
   </p:cSld>
@@ -761,44 +773,7 @@
           <a:p>
             <a:r>
               <a:rPr lang="en-US" dirty="0" smtClean="0"/>
-              <a:t>The 'server identifier' field is used both to identify a DHCP server in a DHCP message and as a destination address from clients to servers.  A server with multiple network addresses MUST be prepared to </a:t>
-            </a:r>
-            <a:r>
-              <a:rPr lang="en-US" dirty="0" err="1" smtClean="0"/>
-              <a:t>to</a:t>
-            </a:r>
-            <a:r>
-              <a:rPr lang="en-US" dirty="0" smtClean="0"/>
-              <a:t> accept any of its network addresses as identifying that server in a DHCP message</a:t>
-            </a:r>
-          </a:p>
-          <a:p>
-            <a:r>
-              <a:rPr lang="en-US" dirty="0" smtClean="0"/>
-              <a:t>The client broadcasts a DHCPREQUEST message that MUST include the 'server identifier' option to indicate which server it has selected</a:t>
-            </a:r>
-          </a:p>
-          <a:p>
-            <a:r>
-              <a:rPr lang="en-US" dirty="0" smtClean="0"/>
-              <a:t>DHCP clients MUST use the IP address provided in the 'server identifier' option for any unicast requests to the DHCP server.</a:t>
-            </a:r>
-          </a:p>
-          <a:p>
-            <a:endParaRPr lang="en-US" dirty="0" smtClean="0"/>
-          </a:p>
-          <a:p>
-            <a:r>
-              <a:rPr lang="en-US" dirty="0" smtClean="0"/>
-              <a:t>The 'requested IP address' option MUST be set to the value of '</a:t>
-            </a:r>
-            <a:r>
-              <a:rPr lang="en-US" dirty="0" err="1" smtClean="0"/>
-              <a:t>yiaddr</a:t>
-            </a:r>
-            <a:r>
-              <a:rPr lang="en-US" dirty="0" smtClean="0"/>
-              <a:t>' in the DHCPOFFER message from the server</a:t>
+              <a:t>Option types: http://www.iana.org/assignments/bootp-dhcp-parameters</a:t>
             </a:r>
             <a:endParaRPr lang="en-US" dirty="0"/>
           </a:p>
@@ -821,6 +796,131 @@
           <a:p>
             <a:fld id="{CA2CD91B-7977-4111-B2A9-5D3C6E1F300A}" type="slidenum">
               <a:rPr lang="en-US" smtClean="0"/>
+              <a:t>51</a:t>
+            </a:fld>
+            <a:endParaRPr lang="en-US"/>
+          </a:p>
+        </p:txBody>
+      </p:sp>
+    </p:spTree>
+    <p:extLst>
+      <p:ext uri="{BB962C8B-B14F-4D97-AF65-F5344CB8AC3E}">
+        <p14:creationId xmlns:p14="http://schemas.microsoft.com/office/powerpoint/2010/main" val="172198231"/>
+      </p:ext>
+    </p:extLst>
+  </p:cSld>
+  <p:clrMapOvr>
+    <a:masterClrMapping/>
+  </p:clrMapOvr>
+</p:notes>
+</file>
+
+<file path=ppt/notesSlides/notesSlide4.xml><?xml version="1.0" encoding="utf-8"?>
+<p:notes xmlns:a="http://schemas.openxmlformats.org/drawingml/2006/main" xmlns:r="http://schemas.openxmlformats.org/officeDocument/2006/relationships" xmlns:p="http://schemas.openxmlformats.org/presentationml/2006/main">
+  <p:cSld>
+    <p:spTree>
+      <p:nvGrpSpPr>
+        <p:cNvPr id="1" name=""/>
+        <p:cNvGrpSpPr/>
+        <p:nvPr/>
+      </p:nvGrpSpPr>
+      <p:grpSpPr>
+        <a:xfrm>
+          <a:off x="0" y="0"/>
+          <a:ext cx="0" cy="0"/>
+          <a:chOff x="0" y="0"/>
+          <a:chExt cx="0" cy="0"/>
+        </a:xfrm>
+      </p:grpSpPr>
+      <p:sp>
+        <p:nvSpPr>
+          <p:cNvPr id="2" name="Slide Image Placeholder 1"/>
+          <p:cNvSpPr>
+            <a:spLocks noGrp="1" noRot="1" noChangeAspect="1"/>
+          </p:cNvSpPr>
+          <p:nvPr>
+            <p:ph type="sldImg"/>
+          </p:nvPr>
+        </p:nvSpPr>
+        <p:spPr/>
+      </p:sp>
+      <p:sp>
+        <p:nvSpPr>
+          <p:cNvPr id="3" name="Notes Placeholder 2"/>
+          <p:cNvSpPr>
+            <a:spLocks noGrp="1"/>
+          </p:cNvSpPr>
+          <p:nvPr>
+            <p:ph type="body" idx="1"/>
+          </p:nvPr>
+        </p:nvSpPr>
+        <p:spPr/>
+        <p:txBody>
+          <a:bodyPr/>
+          <a:lstStyle/>
+          <a:p>
+            <a:r>
+              <a:rPr lang="en-US" dirty="0" smtClean="0"/>
+              <a:t>The 'server identifier' field is used both to identify a DHCP server in a DHCP message and as a destination address from clients to servers.  A server with multiple network addresses MUST be prepared to </a:t>
+            </a:r>
+            <a:r>
+              <a:rPr lang="en-US" dirty="0" err="1" smtClean="0"/>
+              <a:t>to</a:t>
+            </a:r>
+            <a:r>
+              <a:rPr lang="en-US" dirty="0" smtClean="0"/>
+              <a:t> accept any of its network addresses as identifying that server in a DHCP message</a:t>
+            </a:r>
+          </a:p>
+          <a:p>
+            <a:r>
+              <a:rPr lang="en-US" dirty="0" smtClean="0"/>
+              <a:t>The client broadcasts a DHCPREQUEST message that MUST include the 'server identifier' option to indicate which server it has selected</a:t>
+            </a:r>
+          </a:p>
+          <a:p>
+            <a:r>
+              <a:rPr lang="en-US" dirty="0" smtClean="0"/>
+              <a:t>DHCP clients MUST use the IP address provided in the 'server identifier' option for any unicast requests to the DHCP server.</a:t>
+            </a:r>
+          </a:p>
+          <a:p>
+            <a:endParaRPr lang="en-US" dirty="0" smtClean="0"/>
+          </a:p>
+          <a:p>
+            <a:r>
+              <a:rPr lang="en-US" dirty="0" smtClean="0"/>
+              <a:t>The 'requested IP address' option MUST be set to the value of '</a:t>
+            </a:r>
+            <a:r>
+              <a:rPr lang="en-US" dirty="0" err="1" smtClean="0"/>
+              <a:t>yiaddr</a:t>
+            </a:r>
+            <a:r>
+              <a:rPr lang="en-US" dirty="0" smtClean="0"/>
+              <a:t>' in the DHCPOFFER message from the server</a:t>
+            </a:r>
+            <a:endParaRPr lang="en-US" dirty="0"/>
+          </a:p>
+        </p:txBody>
+      </p:sp>
+      <p:sp>
+        <p:nvSpPr>
+          <p:cNvPr id="4" name="Slide Number Placeholder 3"/>
+          <p:cNvSpPr>
+            <a:spLocks noGrp="1"/>
+          </p:cNvSpPr>
+          <p:nvPr>
+            <p:ph type="sldNum" sz="quarter" idx="10"/>
+          </p:nvPr>
+        </p:nvSpPr>
+        <p:spPr/>
+        <p:txBody>
+          <a:bodyPr/>
+          <a:lstStyle/>
+          <a:p>
+            <a:fld id="{CA2CD91B-7977-4111-B2A9-5D3C6E1F300A}" type="slidenum">
+              <a:rPr lang="en-US" smtClean="0"/>
               <a:t>53</a:t>
             </a:fld>
             <a:endParaRPr lang="en-US"/>
@@ -840,7 +940,7 @@
 </p:notes>
 </file>
 
-<file path=ppt/notesSlides/notesSlide4.xml><?xml version="1.0" encoding="utf-8"?>
+<file path=ppt/notesSlides/notesSlide5.xml><?xml version="1.0" encoding="utf-8"?>
 <p:notes xmlns:a="http://schemas.openxmlformats.org/drawingml/2006/main" xmlns:r="http://schemas.openxmlformats.org/officeDocument/2006/relationships" xmlns:p="http://schemas.openxmlformats.org/presentationml/2006/main">
   <p:cSld>
     <p:spTree>
@@ -1078,7 +1178,7 @@
           <a:p>
             <a:fld id="{D5D372E4-9646-4FFE-91BB-BDEB5144A713}" type="datetime1">
               <a:rPr lang="en-US" smtClean="0"/>
-              <a:t>10/14/2013</a:t>
+              <a:t>6/24/2015</a:t>
             </a:fld>
             <a:endParaRPr lang="en-US"/>
           </a:p>
@@ -1399,7 +1499,7 @@
           <a:p>
             <a:fld id="{EDF4BCD2-BEA9-4019-A435-8BA9824F4552}" type="datetime1">
               <a:rPr lang="en-US" smtClean="0"/>
-              <a:t>10/14/2013</a:t>
+              <a:t>6/24/2015</a:t>
             </a:fld>
             <a:endParaRPr lang="en-US"/>
           </a:p>
@@ -1592,7 +1692,7 @@
           <a:p>
             <a:fld id="{76E6DC39-9872-4A9C-9368-B038BAEF8C7A}" type="datetime1">
               <a:rPr lang="en-US" smtClean="0"/>
-              <a:t>10/14/2013</a:t>
+              <a:t>6/24/2015</a:t>
             </a:fld>
             <a:endParaRPr lang="en-US"/>
           </a:p>
@@ -1775,7 +1875,7 @@
           <a:p>
             <a:fld id="{752A4708-DE7E-4C3A-BF99-A0E578B7F89B}" type="datetime1">
               <a:rPr lang="en-US" smtClean="0"/>
-              <a:t>10/14/2013</a:t>
+              <a:t>6/24/2015</a:t>
             </a:fld>
             <a:endParaRPr lang="en-US"/>
           </a:p>
@@ -2051,7 +2151,7 @@
           <a:p>
             <a:fld id="{3ED8C822-10DF-48F3-910C-68B1447DBEEB}" type="datetime1">
               <a:rPr lang="en-US" smtClean="0"/>
-              <a:t>10/14/2013</a:t>
+              <a:t>6/24/2015</a:t>
             </a:fld>
             <a:endParaRPr lang="en-US"/>
           </a:p>
@@ -2527,7 +2627,7 @@
           <a:p>
             <a:fld id="{2DD9FEEE-9EE5-49B6-B224-AA1828E4F698}" type="datetime1">
               <a:rPr lang="en-US" smtClean="0"/>
-              <a:t>10/14/2013</a:t>
+              <a:t>6/24/2015</a:t>
             </a:fld>
             <a:endParaRPr lang="en-US"/>
           </a:p>
@@ -3024,7 +3124,7 @@
           <a:p>
             <a:fld id="{A0703E61-DFBF-4B0C-B2F2-8BB2F7FE573A}" type="datetime1">
               <a:rPr lang="en-US" smtClean="0"/>
-              <a:t>10/14/2013</a:t>
+              <a:t>6/24/2015</a:t>
             </a:fld>
             <a:endParaRPr lang="en-US"/>
           </a:p>
@@ -3158,7 +3258,7 @@
           <a:p>
             <a:fld id="{582455DC-F767-46BF-A563-01B5CA89308E}" type="datetime1">
               <a:rPr lang="en-US" smtClean="0"/>
-              <a:t>10/14/2013</a:t>
+              <a:t>6/24/2015</a:t>
             </a:fld>
             <a:endParaRPr lang="en-US"/>
           </a:p>
@@ -3310,7 +3410,7 @@
           <a:p>
             <a:fld id="{F052E33A-B539-4601-820E-FC829A8FDAA1}" type="datetime1">
               <a:rPr lang="en-US" smtClean="0"/>
-              <a:t>10/14/2013</a:t>
+              <a:t>6/24/2015</a:t>
             </a:fld>
             <a:endParaRPr lang="en-US"/>
           </a:p>
@@ -3640,7 +3740,7 @@
           <a:p>
             <a:fld id="{E781FA34-40D6-4939-8FBD-375CB811CBA9}" type="datetime1">
               <a:rPr lang="en-US" smtClean="0"/>
-              <a:t>10/14/2013</a:t>
+              <a:t>6/24/2015</a:t>
             </a:fld>
             <a:endParaRPr lang="en-US"/>
           </a:p>
@@ -3782,7 +3882,7 @@
           <a:p>
             <a:fld id="{CF0FC307-32ED-4E26-A011-E8E6EA2A6EEE}" type="datetime1">
               <a:rPr lang="en-US" smtClean="0"/>
-              <a:t>10/14/2013</a:t>
+              <a:t>6/24/2015</a:t>
             </a:fld>
             <a:endParaRPr lang="en-US"/>
           </a:p>
@@ -4571,7 +4671,7 @@
           <a:p>
             <a:fld id="{5F971C7F-BD76-4430-93A1-03604170B41D}" type="datetime1">
               <a:rPr lang="en-US" smtClean="0"/>
-              <a:t>10/14/2013</a:t>
+              <a:t>6/24/2015</a:t>
             </a:fld>
             <a:endParaRPr lang="en-US"/>
           </a:p>

--- a/DHCP/LuuVo_201309/DHCPTraining.pptx
+++ b/DHCP/LuuVo_201309/DHCPTraining.pptx
@@ -609,7 +609,7 @@
           <a:p>
             <a:fld id="{CA2CD91B-7977-4111-B2A9-5D3C6E1F300A}" type="slidenum">
               <a:rPr lang="en-US" smtClean="0"/>
-              <a:t>9</a:t>
+              <a:t>8</a:t>
             </a:fld>
             <a:endParaRPr lang="en-US"/>
           </a:p>
@@ -618,7 +618,7 @@
     </p:spTree>
     <p:extLst>
       <p:ext uri="{BB962C8B-B14F-4D97-AF65-F5344CB8AC3E}">
-        <p14:creationId xmlns:p14="http://schemas.microsoft.com/office/powerpoint/2010/main" val="1140397957"/>
+        <p14:creationId xmlns:p14="http://schemas.microsoft.com/office/powerpoint/2010/main" val="3319633172"/>
       </p:ext>
     </p:extLst>
   </p:cSld>
@@ -672,22 +672,7 @@
           <a:bodyPr/>
           <a:lstStyle/>
           <a:p>
-            <a:r>
-              <a:rPr lang="en-US" dirty="0" smtClean="0"/>
-              <a:t>Hardware address types: </a:t>
-            </a:r>
-            <a:r>
-              <a:rPr lang="en-US" sz="1200" b="0" i="1" u="none" strike="noStrike" kern="1200" baseline="0" dirty="0" smtClean="0">
-                <a:solidFill>
-                  <a:schemeClr val="tx1"/>
-                </a:solidFill>
-                <a:latin typeface="+mn-lt"/>
-                <a:ea typeface="+mn-ea"/>
-                <a:cs typeface="+mn-cs"/>
-              </a:rPr>
-              <a:t>http://www.iana.org/assignments/arp-parameters</a:t>
-            </a:r>
-            <a:endParaRPr lang="en-US" dirty="0"/>
+            <a:endParaRPr lang="en-US"/>
           </a:p>
         </p:txBody>
       </p:sp>
@@ -708,7 +693,7 @@
           <a:p>
             <a:fld id="{CA2CD91B-7977-4111-B2A9-5D3C6E1F300A}" type="slidenum">
               <a:rPr lang="en-US" smtClean="0"/>
-              <a:t>19</a:t>
+              <a:t>9</a:t>
             </a:fld>
             <a:endParaRPr lang="en-US"/>
           </a:p>
@@ -717,7 +702,7 @@
     </p:spTree>
     <p:extLst>
       <p:ext uri="{BB962C8B-B14F-4D97-AF65-F5344CB8AC3E}">
-        <p14:creationId xmlns:p14="http://schemas.microsoft.com/office/powerpoint/2010/main" val="568821352"/>
+        <p14:creationId xmlns:p14="http://schemas.microsoft.com/office/powerpoint/2010/main" val="1140397957"/>
       </p:ext>
     </p:extLst>
   </p:cSld>
@@ -771,11 +756,7 @@
           <a:bodyPr/>
           <a:lstStyle/>
           <a:p>
-            <a:r>
-              <a:rPr lang="en-US" dirty="0" smtClean="0"/>
-              <a:t>Option types: http://www.iana.org/assignments/bootp-dhcp-parameters</a:t>
-            </a:r>
-            <a:endParaRPr lang="en-US" dirty="0"/>
+            <a:endParaRPr lang="en-US"/>
           </a:p>
         </p:txBody>
       </p:sp>
@@ -796,7 +777,7 @@
           <a:p>
             <a:fld id="{CA2CD91B-7977-4111-B2A9-5D3C6E1F300A}" type="slidenum">
               <a:rPr lang="en-US" smtClean="0"/>
-              <a:t>51</a:t>
+              <a:t>17</a:t>
             </a:fld>
             <a:endParaRPr lang="en-US"/>
           </a:p>
@@ -805,7 +786,7 @@
     </p:spTree>
     <p:extLst>
       <p:ext uri="{BB962C8B-B14F-4D97-AF65-F5344CB8AC3E}">
-        <p14:creationId xmlns:p14="http://schemas.microsoft.com/office/powerpoint/2010/main" val="172198231"/>
+        <p14:creationId xmlns:p14="http://schemas.microsoft.com/office/powerpoint/2010/main" val="2511114533"/>
       </p:ext>
     </p:extLst>
   </p:cSld>
@@ -861,44 +842,18 @@
           <a:p>
             <a:r>
               <a:rPr lang="en-US" dirty="0" smtClean="0"/>
-              <a:t>The 'server identifier' field is used both to identify a DHCP server in a DHCP message and as a destination address from clients to servers.  A server with multiple network addresses MUST be prepared to </a:t>
-            </a:r>
-            <a:r>
-              <a:rPr lang="en-US" dirty="0" err="1" smtClean="0"/>
-              <a:t>to</a:t>
-            </a:r>
-            <a:r>
-              <a:rPr lang="en-US" dirty="0" smtClean="0"/>
-              <a:t> accept any of its network addresses as identifying that server in a DHCP message</a:t>
-            </a:r>
-          </a:p>
-          <a:p>
-            <a:r>
-              <a:rPr lang="en-US" dirty="0" smtClean="0"/>
-              <a:t>The client broadcasts a DHCPREQUEST message that MUST include the 'server identifier' option to indicate which server it has selected</a:t>
-            </a:r>
-          </a:p>
-          <a:p>
-            <a:r>
-              <a:rPr lang="en-US" dirty="0" smtClean="0"/>
-              <a:t>DHCP clients MUST use the IP address provided in the 'server identifier' option for any unicast requests to the DHCP server.</a:t>
-            </a:r>
-          </a:p>
-          <a:p>
-            <a:endParaRPr lang="en-US" dirty="0" smtClean="0"/>
-          </a:p>
-          <a:p>
-            <a:r>
-              <a:rPr lang="en-US" dirty="0" smtClean="0"/>
-              <a:t>The 'requested IP address' option MUST be set to the value of '</a:t>
-            </a:r>
-            <a:r>
-              <a:rPr lang="en-US" dirty="0" err="1" smtClean="0"/>
-              <a:t>yiaddr</a:t>
-            </a:r>
-            <a:r>
-              <a:rPr lang="en-US" dirty="0" smtClean="0"/>
-              <a:t>' in the DHCPOFFER message from the server</a:t>
+              <a:t>Hardware address types: </a:t>
+            </a:r>
+            <a:r>
+              <a:rPr lang="en-US" sz="1200" b="0" i="1" u="none" strike="noStrike" kern="1200" baseline="0" dirty="0" smtClean="0">
+                <a:solidFill>
+                  <a:schemeClr val="tx1"/>
+                </a:solidFill>
+                <a:latin typeface="+mn-lt"/>
+                <a:ea typeface="+mn-ea"/>
+                <a:cs typeface="+mn-cs"/>
+              </a:rPr>
+              <a:t>http://www.iana.org/assignments/arp-parameters</a:t>
             </a:r>
             <a:endParaRPr lang="en-US" dirty="0"/>
           </a:p>
@@ -921,6 +876,303 @@
           <a:p>
             <a:fld id="{CA2CD91B-7977-4111-B2A9-5D3C6E1F300A}" type="slidenum">
               <a:rPr lang="en-US" smtClean="0"/>
+              <a:t>19</a:t>
+            </a:fld>
+            <a:endParaRPr lang="en-US"/>
+          </a:p>
+        </p:txBody>
+      </p:sp>
+    </p:spTree>
+    <p:extLst>
+      <p:ext uri="{BB962C8B-B14F-4D97-AF65-F5344CB8AC3E}">
+        <p14:creationId xmlns:p14="http://schemas.microsoft.com/office/powerpoint/2010/main" val="568821352"/>
+      </p:ext>
+    </p:extLst>
+  </p:cSld>
+  <p:clrMapOvr>
+    <a:masterClrMapping/>
+  </p:clrMapOvr>
+</p:notes>
+</file>
+
+<file path=ppt/notesSlides/notesSlide5.xml><?xml version="1.0" encoding="utf-8"?>
+<p:notes xmlns:a="http://schemas.openxmlformats.org/drawingml/2006/main" xmlns:r="http://schemas.openxmlformats.org/officeDocument/2006/relationships" xmlns:p="http://schemas.openxmlformats.org/presentationml/2006/main">
+  <p:cSld>
+    <p:spTree>
+      <p:nvGrpSpPr>
+        <p:cNvPr id="1" name=""/>
+        <p:cNvGrpSpPr/>
+        <p:nvPr/>
+      </p:nvGrpSpPr>
+      <p:grpSpPr>
+        <a:xfrm>
+          <a:off x="0" y="0"/>
+          <a:ext cx="0" cy="0"/>
+          <a:chOff x="0" y="0"/>
+          <a:chExt cx="0" cy="0"/>
+        </a:xfrm>
+      </p:grpSpPr>
+      <p:sp>
+        <p:nvSpPr>
+          <p:cNvPr id="2" name="Slide Image Placeholder 1"/>
+          <p:cNvSpPr>
+            <a:spLocks noGrp="1" noRot="1" noChangeAspect="1"/>
+          </p:cNvSpPr>
+          <p:nvPr>
+            <p:ph type="sldImg"/>
+          </p:nvPr>
+        </p:nvSpPr>
+        <p:spPr/>
+      </p:sp>
+      <p:sp>
+        <p:nvSpPr>
+          <p:cNvPr id="3" name="Notes Placeholder 2"/>
+          <p:cNvSpPr>
+            <a:spLocks noGrp="1"/>
+          </p:cNvSpPr>
+          <p:nvPr>
+            <p:ph type="body" idx="1"/>
+          </p:nvPr>
+        </p:nvSpPr>
+        <p:spPr/>
+        <p:txBody>
+          <a:bodyPr/>
+          <a:lstStyle/>
+          <a:p>
+            <a:endParaRPr lang="en-US"/>
+          </a:p>
+        </p:txBody>
+      </p:sp>
+      <p:sp>
+        <p:nvSpPr>
+          <p:cNvPr id="4" name="Slide Number Placeholder 3"/>
+          <p:cNvSpPr>
+            <a:spLocks noGrp="1"/>
+          </p:cNvSpPr>
+          <p:nvPr>
+            <p:ph type="sldNum" sz="quarter" idx="10"/>
+          </p:nvPr>
+        </p:nvSpPr>
+        <p:spPr/>
+        <p:txBody>
+          <a:bodyPr/>
+          <a:lstStyle/>
+          <a:p>
+            <a:fld id="{CA2CD91B-7977-4111-B2A9-5D3C6E1F300A}" type="slidenum">
+              <a:rPr lang="en-US" smtClean="0"/>
+              <a:t>32</a:t>
+            </a:fld>
+            <a:endParaRPr lang="en-US"/>
+          </a:p>
+        </p:txBody>
+      </p:sp>
+    </p:spTree>
+    <p:extLst>
+      <p:ext uri="{BB962C8B-B14F-4D97-AF65-F5344CB8AC3E}">
+        <p14:creationId xmlns:p14="http://schemas.microsoft.com/office/powerpoint/2010/main" val="2186781495"/>
+      </p:ext>
+    </p:extLst>
+  </p:cSld>
+  <p:clrMapOvr>
+    <a:masterClrMapping/>
+  </p:clrMapOvr>
+</p:notes>
+</file>
+
+<file path=ppt/notesSlides/notesSlide6.xml><?xml version="1.0" encoding="utf-8"?>
+<p:notes xmlns:a="http://schemas.openxmlformats.org/drawingml/2006/main" xmlns:r="http://schemas.openxmlformats.org/officeDocument/2006/relationships" xmlns:p="http://schemas.openxmlformats.org/presentationml/2006/main">
+  <p:cSld>
+    <p:spTree>
+      <p:nvGrpSpPr>
+        <p:cNvPr id="1" name=""/>
+        <p:cNvGrpSpPr/>
+        <p:nvPr/>
+      </p:nvGrpSpPr>
+      <p:grpSpPr>
+        <a:xfrm>
+          <a:off x="0" y="0"/>
+          <a:ext cx="0" cy="0"/>
+          <a:chOff x="0" y="0"/>
+          <a:chExt cx="0" cy="0"/>
+        </a:xfrm>
+      </p:grpSpPr>
+      <p:sp>
+        <p:nvSpPr>
+          <p:cNvPr id="2" name="Slide Image Placeholder 1"/>
+          <p:cNvSpPr>
+            <a:spLocks noGrp="1" noRot="1" noChangeAspect="1"/>
+          </p:cNvSpPr>
+          <p:nvPr>
+            <p:ph type="sldImg"/>
+          </p:nvPr>
+        </p:nvSpPr>
+        <p:spPr/>
+      </p:sp>
+      <p:sp>
+        <p:nvSpPr>
+          <p:cNvPr id="3" name="Notes Placeholder 2"/>
+          <p:cNvSpPr>
+            <a:spLocks noGrp="1"/>
+          </p:cNvSpPr>
+          <p:nvPr>
+            <p:ph type="body" idx="1"/>
+          </p:nvPr>
+        </p:nvSpPr>
+        <p:spPr/>
+        <p:txBody>
+          <a:bodyPr/>
+          <a:lstStyle/>
+          <a:p>
+            <a:r>
+              <a:rPr lang="en-US" dirty="0" smtClean="0"/>
+              <a:t>Option types: http://www.iana.org/assignments/bootp-dhcp-parameters</a:t>
+            </a:r>
+            <a:endParaRPr lang="en-US" dirty="0"/>
+          </a:p>
+        </p:txBody>
+      </p:sp>
+      <p:sp>
+        <p:nvSpPr>
+          <p:cNvPr id="4" name="Slide Number Placeholder 3"/>
+          <p:cNvSpPr>
+            <a:spLocks noGrp="1"/>
+          </p:cNvSpPr>
+          <p:nvPr>
+            <p:ph type="sldNum" sz="quarter" idx="10"/>
+          </p:nvPr>
+        </p:nvSpPr>
+        <p:spPr/>
+        <p:txBody>
+          <a:bodyPr/>
+          <a:lstStyle/>
+          <a:p>
+            <a:fld id="{CA2CD91B-7977-4111-B2A9-5D3C6E1F300A}" type="slidenum">
+              <a:rPr lang="en-US" smtClean="0"/>
+              <a:t>51</a:t>
+            </a:fld>
+            <a:endParaRPr lang="en-US"/>
+          </a:p>
+        </p:txBody>
+      </p:sp>
+    </p:spTree>
+    <p:extLst>
+      <p:ext uri="{BB962C8B-B14F-4D97-AF65-F5344CB8AC3E}">
+        <p14:creationId xmlns:p14="http://schemas.microsoft.com/office/powerpoint/2010/main" val="172198231"/>
+      </p:ext>
+    </p:extLst>
+  </p:cSld>
+  <p:clrMapOvr>
+    <a:masterClrMapping/>
+  </p:clrMapOvr>
+</p:notes>
+</file>
+
+<file path=ppt/notesSlides/notesSlide7.xml><?xml version="1.0" encoding="utf-8"?>
+<p:notes xmlns:a="http://schemas.openxmlformats.org/drawingml/2006/main" xmlns:r="http://schemas.openxmlformats.org/officeDocument/2006/relationships" xmlns:p="http://schemas.openxmlformats.org/presentationml/2006/main">
+  <p:cSld>
+    <p:spTree>
+      <p:nvGrpSpPr>
+        <p:cNvPr id="1" name=""/>
+        <p:cNvGrpSpPr/>
+        <p:nvPr/>
+      </p:nvGrpSpPr>
+      <p:grpSpPr>
+        <a:xfrm>
+          <a:off x="0" y="0"/>
+          <a:ext cx="0" cy="0"/>
+          <a:chOff x="0" y="0"/>
+          <a:chExt cx="0" cy="0"/>
+        </a:xfrm>
+      </p:grpSpPr>
+      <p:sp>
+        <p:nvSpPr>
+          <p:cNvPr id="2" name="Slide Image Placeholder 1"/>
+          <p:cNvSpPr>
+            <a:spLocks noGrp="1" noRot="1" noChangeAspect="1"/>
+          </p:cNvSpPr>
+          <p:nvPr>
+            <p:ph type="sldImg"/>
+          </p:nvPr>
+        </p:nvSpPr>
+        <p:spPr/>
+      </p:sp>
+      <p:sp>
+        <p:nvSpPr>
+          <p:cNvPr id="3" name="Notes Placeholder 2"/>
+          <p:cNvSpPr>
+            <a:spLocks noGrp="1"/>
+          </p:cNvSpPr>
+          <p:nvPr>
+            <p:ph type="body" idx="1"/>
+          </p:nvPr>
+        </p:nvSpPr>
+        <p:spPr/>
+        <p:txBody>
+          <a:bodyPr/>
+          <a:lstStyle/>
+          <a:p>
+            <a:r>
+              <a:rPr lang="en-US" dirty="0" smtClean="0"/>
+              <a:t>The 'server identifier' field is used both to identify a DHCP server in a DHCP message and as a destination address from clients to servers.  A server with multiple network addresses MUST be prepared to </a:t>
+            </a:r>
+            <a:r>
+              <a:rPr lang="en-US" dirty="0" err="1" smtClean="0"/>
+              <a:t>to</a:t>
+            </a:r>
+            <a:r>
+              <a:rPr lang="en-US" dirty="0" smtClean="0"/>
+              <a:t> accept any of its network addresses as identifying that server in a DHCP message</a:t>
+            </a:r>
+          </a:p>
+          <a:p>
+            <a:r>
+              <a:rPr lang="en-US" dirty="0" smtClean="0"/>
+              <a:t>The client broadcasts a DHCPREQUEST message that MUST include the 'server identifier' option to indicate which server it has selected</a:t>
+            </a:r>
+          </a:p>
+          <a:p>
+            <a:r>
+              <a:rPr lang="en-US" dirty="0" smtClean="0"/>
+              <a:t>DHCP clients MUST use the IP address provided in the 'server identifier' option for any unicast requests to the DHCP server.</a:t>
+            </a:r>
+          </a:p>
+          <a:p>
+            <a:endParaRPr lang="en-US" dirty="0" smtClean="0"/>
+          </a:p>
+          <a:p>
+            <a:r>
+              <a:rPr lang="en-US" dirty="0" smtClean="0"/>
+              <a:t>The 'requested IP address' option MUST be set to the value of '</a:t>
+            </a:r>
+            <a:r>
+              <a:rPr lang="en-US" dirty="0" err="1" smtClean="0"/>
+              <a:t>yiaddr</a:t>
+            </a:r>
+            <a:r>
+              <a:rPr lang="en-US" dirty="0" smtClean="0"/>
+              <a:t>' in the DHCPOFFER message from the server</a:t>
+            </a:r>
+            <a:endParaRPr lang="en-US" dirty="0"/>
+          </a:p>
+        </p:txBody>
+      </p:sp>
+      <p:sp>
+        <p:nvSpPr>
+          <p:cNvPr id="4" name="Slide Number Placeholder 3"/>
+          <p:cNvSpPr>
+            <a:spLocks noGrp="1"/>
+          </p:cNvSpPr>
+          <p:nvPr>
+            <p:ph type="sldNum" sz="quarter" idx="10"/>
+          </p:nvPr>
+        </p:nvSpPr>
+        <p:spPr/>
+        <p:txBody>
+          <a:bodyPr/>
+          <a:lstStyle/>
+          <a:p>
+            <a:fld id="{CA2CD91B-7977-4111-B2A9-5D3C6E1F300A}" type="slidenum">
+              <a:rPr lang="en-US" smtClean="0"/>
               <a:t>53</a:t>
             </a:fld>
             <a:endParaRPr lang="en-US"/>
@@ -940,7 +1192,7 @@
 </p:notes>
 </file>
 
-<file path=ppt/notesSlides/notesSlide5.xml><?xml version="1.0" encoding="utf-8"?>
+<file path=ppt/notesSlides/notesSlide8.xml><?xml version="1.0" encoding="utf-8"?>
 <p:notes xmlns:a="http://schemas.openxmlformats.org/drawingml/2006/main" xmlns:r="http://schemas.openxmlformats.org/officeDocument/2006/relationships" xmlns:p="http://schemas.openxmlformats.org/presentationml/2006/main">
   <p:cSld>
     <p:spTree>
@@ -5304,48 +5556,45 @@
           <a:lstStyle/>
           <a:p>
             <a:r>
-              <a:rPr lang="en-US" dirty="0"/>
-              <a:t>Benefits of </a:t>
-            </a:r>
-            <a:r>
-              <a:rPr lang="en-US" dirty="0" smtClean="0"/>
-              <a:t>using DHCP</a:t>
+              <a:rPr lang="en-US" smtClean="0"/>
+              <a:t>Benefits of using DHCP</a:t>
             </a:r>
           </a:p>
           <a:p>
             <a:pPr lvl="1"/>
             <a:r>
-              <a:rPr lang="en-US" dirty="0"/>
+              <a:rPr lang="en-US" smtClean="0"/>
               <a:t>Users no longer need to acquire IPv4 address configurations from a network administrator to properly configure TCP/IP.</a:t>
             </a:r>
           </a:p>
           <a:p>
             <a:pPr lvl="2"/>
             <a:r>
-              <a:rPr lang="en-US" dirty="0"/>
+              <a:rPr lang="en-US" smtClean="0"/>
               <a:t>When a DHCP client is started, it automatically receives an IPv4 address configuration that is correct for the attached subnet from a DHCP server. </a:t>
             </a:r>
           </a:p>
           <a:p>
             <a:pPr lvl="2"/>
             <a:r>
-              <a:rPr lang="en-US" dirty="0"/>
+              <a:rPr lang="en-US" smtClean="0"/>
               <a:t>When the DHCP client moves to another subnet, it automatically obtains a new IPv4 address configuration for that subnet.</a:t>
             </a:r>
           </a:p>
           <a:p>
             <a:pPr lvl="1"/>
             <a:r>
-              <a:rPr lang="en-US" dirty="0"/>
+              <a:rPr lang="en-US" smtClean="0"/>
               <a:t>The DHCP server supplies all of the necessary configuration information to all DHCP clients.</a:t>
             </a:r>
           </a:p>
           <a:p>
             <a:pPr lvl="2"/>
             <a:r>
-              <a:rPr lang="en-US" dirty="0"/>
+              <a:rPr lang="en-US" smtClean="0"/>
               <a:t>As long as the DHCP server has been correctly configured, all DHCP clients of the DHCP server are configured correctly</a:t>
             </a:r>
+            <a:endParaRPr lang="en-US" dirty="0"/>
           </a:p>
         </p:txBody>
       </p:sp>
@@ -6798,7 +7047,7 @@
           <p:nvPr/>
         </p:nvPicPr>
         <p:blipFill>
-          <a:blip r:embed="rId2">
+          <a:blip r:embed="rId3">
             <a:extLst>
               <a:ext uri="{28A0092B-C50C-407E-A947-70E740481C1C}">
                 <a14:useLocalDpi xmlns:a14="http://schemas.microsoft.com/office/drawing/2010/main" val="0"/>
@@ -8605,8 +8854,8 @@
         </p:nvSpPr>
         <p:spPr>
           <a:xfrm>
-            <a:off x="1435608" y="1447800"/>
-            <a:ext cx="7498080" cy="533400"/>
+            <a:off x="1411111" y="1447800"/>
+            <a:ext cx="7522577" cy="533400"/>
           </a:xfrm>
         </p:spPr>
         <p:txBody>
